--- a/Strojno projekt/RUSU_projektni_zadatak_IvanBacic.pptx
+++ b/Strojno projekt/RUSU_projektni_zadatak_IvanBacic.pptx
@@ -15,7 +15,8 @@
     <p:sldId id="263" r:id="rId9"/>
     <p:sldId id="264" r:id="rId10"/>
     <p:sldId id="266" r:id="rId11"/>
-    <p:sldId id="265" r:id="rId12"/>
+    <p:sldId id="267" r:id="rId12"/>
+    <p:sldId id="265" r:id="rId13"/>
   </p:sldIdLst>
   <p:sldSz cx="12192000" cy="6858000"/>
   <p:notesSz cx="6858000" cy="9144000"/>
@@ -172,7 +173,7 @@
           <a:noFill/>
           <a:extLst>
             <a:ext uri="{909E8E84-426E-40dd-AFC4-6F175D3DCCD1}">
-              <a14:hiddenFill xmlns="" xmlns:a14="http://schemas.microsoft.com/office/drawing/2010/main">
+              <a14:hiddenFill xmlns:a14="http://schemas.microsoft.com/office/drawing/2010/main" xmlns="">
                 <a:solidFill>
                   <a:srgbClr val="FFFFFF"/>
                 </a:solidFill>
@@ -232,7 +233,7 @@
             </a:ln>
             <a:extLst>
               <a:ext uri="{91240B29-F687-4f45-9708-019B960494DF}">
-                <a14:hiddenLine xmlns="" xmlns:a14="http://schemas.microsoft.com/office/drawing/2010/main" w="9525">
+                <a14:hiddenLine xmlns:a14="http://schemas.microsoft.com/office/drawing/2010/main" xmlns="" w="9525">
                   <a:solidFill>
                     <a:srgbClr val="000000"/>
                   </a:solidFill>
@@ -322,7 +323,7 @@
             </a:ln>
             <a:extLst>
               <a:ext uri="{91240B29-F687-4f45-9708-019B960494DF}">
-                <a14:hiddenLine xmlns="" xmlns:a14="http://schemas.microsoft.com/office/drawing/2010/main" w="9525">
+                <a14:hiddenLine xmlns:a14="http://schemas.microsoft.com/office/drawing/2010/main" xmlns="" w="9525">
                   <a:solidFill>
                     <a:srgbClr val="000000"/>
                   </a:solidFill>
@@ -412,7 +413,7 @@
             </a:ln>
             <a:extLst>
               <a:ext uri="{91240B29-F687-4f45-9708-019B960494DF}">
-                <a14:hiddenLine xmlns="" xmlns:a14="http://schemas.microsoft.com/office/drawing/2010/main" w="9525">
+                <a14:hiddenLine xmlns:a14="http://schemas.microsoft.com/office/drawing/2010/main" xmlns="" w="9525">
                   <a:solidFill>
                     <a:srgbClr val="000000"/>
                   </a:solidFill>
@@ -446,7 +447,7 @@
             </a:ln>
             <a:extLst>
               <a:ext uri="{91240B29-F687-4f45-9708-019B960494DF}">
-                <a14:hiddenLine xmlns="" xmlns:a14="http://schemas.microsoft.com/office/drawing/2010/main" w="9525">
+                <a14:hiddenLine xmlns:a14="http://schemas.microsoft.com/office/drawing/2010/main" xmlns="" w="9525">
                   <a:solidFill>
                     <a:srgbClr val="000000"/>
                   </a:solidFill>
@@ -536,7 +537,7 @@
             </a:ln>
             <a:extLst>
               <a:ext uri="{91240B29-F687-4f45-9708-019B960494DF}">
-                <a14:hiddenLine xmlns="" xmlns:a14="http://schemas.microsoft.com/office/drawing/2010/main" w="9525">
+                <a14:hiddenLine xmlns:a14="http://schemas.microsoft.com/office/drawing/2010/main" xmlns="" w="9525">
                   <a:solidFill>
                     <a:srgbClr val="000000"/>
                   </a:solidFill>
@@ -598,7 +599,7 @@
             </a:ln>
             <a:extLst>
               <a:ext uri="{91240B29-F687-4f45-9708-019B960494DF}">
-                <a14:hiddenLine xmlns="" xmlns:a14="http://schemas.microsoft.com/office/drawing/2010/main" w="9525">
+                <a14:hiddenLine xmlns:a14="http://schemas.microsoft.com/office/drawing/2010/main" xmlns="" w="9525">
                   <a:solidFill>
                     <a:srgbClr val="000000"/>
                   </a:solidFill>
@@ -660,7 +661,7 @@
             </a:ln>
             <a:extLst>
               <a:ext uri="{91240B29-F687-4f45-9708-019B960494DF}">
-                <a14:hiddenLine xmlns="" xmlns:a14="http://schemas.microsoft.com/office/drawing/2010/main" w="9525">
+                <a14:hiddenLine xmlns:a14="http://schemas.microsoft.com/office/drawing/2010/main" xmlns="" w="9525">
                   <a:solidFill>
                     <a:srgbClr val="000000"/>
                   </a:solidFill>
@@ -750,7 +751,7 @@
             </a:ln>
             <a:extLst>
               <a:ext uri="{91240B29-F687-4f45-9708-019B960494DF}">
-                <a14:hiddenLine xmlns="" xmlns:a14="http://schemas.microsoft.com/office/drawing/2010/main" w="9525">
+                <a14:hiddenLine xmlns:a14="http://schemas.microsoft.com/office/drawing/2010/main" xmlns="" w="9525">
                   <a:solidFill>
                     <a:srgbClr val="000000"/>
                   </a:solidFill>
@@ -812,7 +813,7 @@
             </a:ln>
             <a:extLst>
               <a:ext uri="{91240B29-F687-4f45-9708-019B960494DF}">
-                <a14:hiddenLine xmlns="" xmlns:a14="http://schemas.microsoft.com/office/drawing/2010/main" w="9525">
+                <a14:hiddenLine xmlns:a14="http://schemas.microsoft.com/office/drawing/2010/main" xmlns="" w="9525">
                   <a:solidFill>
                     <a:srgbClr val="000000"/>
                   </a:solidFill>
@@ -874,7 +875,7 @@
             </a:ln>
             <a:extLst>
               <a:ext uri="{91240B29-F687-4f45-9708-019B960494DF}">
-                <a14:hiddenLine xmlns="" xmlns:a14="http://schemas.microsoft.com/office/drawing/2010/main" w="9525">
+                <a14:hiddenLine xmlns:a14="http://schemas.microsoft.com/office/drawing/2010/main" xmlns="" w="9525">
                   <a:solidFill>
                     <a:srgbClr val="000000"/>
                   </a:solidFill>
@@ -964,7 +965,7 @@
             </a:ln>
             <a:extLst>
               <a:ext uri="{91240B29-F687-4f45-9708-019B960494DF}">
-                <a14:hiddenLine xmlns="" xmlns:a14="http://schemas.microsoft.com/office/drawing/2010/main" w="9525">
+                <a14:hiddenLine xmlns:a14="http://schemas.microsoft.com/office/drawing/2010/main" xmlns="" w="9525">
                   <a:solidFill>
                     <a:srgbClr val="000000"/>
                   </a:solidFill>
@@ -1054,7 +1055,7 @@
             </a:ln>
             <a:extLst>
               <a:ext uri="{91240B29-F687-4f45-9708-019B960494DF}">
-                <a14:hiddenLine xmlns="" xmlns:a14="http://schemas.microsoft.com/office/drawing/2010/main" w="9525">
+                <a14:hiddenLine xmlns:a14="http://schemas.microsoft.com/office/drawing/2010/main" xmlns="" w="9525">
                   <a:solidFill>
                     <a:srgbClr val="000000"/>
                   </a:solidFill>
@@ -1116,7 +1117,7 @@
             </a:ln>
             <a:extLst>
               <a:ext uri="{91240B29-F687-4f45-9708-019B960494DF}">
-                <a14:hiddenLine xmlns="" xmlns:a14="http://schemas.microsoft.com/office/drawing/2010/main" w="9525">
+                <a14:hiddenLine xmlns:a14="http://schemas.microsoft.com/office/drawing/2010/main" xmlns="" w="9525">
                   <a:solidFill>
                     <a:srgbClr val="000000"/>
                   </a:solidFill>
@@ -1226,7 +1227,7 @@
             </a:ln>
             <a:extLst>
               <a:ext uri="{91240B29-F687-4f45-9708-019B960494DF}">
-                <a14:hiddenLine xmlns="" xmlns:a14="http://schemas.microsoft.com/office/drawing/2010/main" w="9525">
+                <a14:hiddenLine xmlns:a14="http://schemas.microsoft.com/office/drawing/2010/main" xmlns="" w="9525">
                   <a:solidFill>
                     <a:srgbClr val="000000"/>
                   </a:solidFill>
@@ -1288,7 +1289,7 @@
             </a:ln>
             <a:extLst>
               <a:ext uri="{91240B29-F687-4f45-9708-019B960494DF}">
-                <a14:hiddenLine xmlns="" xmlns:a14="http://schemas.microsoft.com/office/drawing/2010/main" w="9525">
+                <a14:hiddenLine xmlns:a14="http://schemas.microsoft.com/office/drawing/2010/main" xmlns="" w="9525">
                   <a:solidFill>
                     <a:srgbClr val="000000"/>
                   </a:solidFill>
@@ -1378,7 +1379,7 @@
             </a:ln>
             <a:extLst>
               <a:ext uri="{91240B29-F687-4f45-9708-019B960494DF}">
-                <a14:hiddenLine xmlns="" xmlns:a14="http://schemas.microsoft.com/office/drawing/2010/main" w="9525">
+                <a14:hiddenLine xmlns:a14="http://schemas.microsoft.com/office/drawing/2010/main" xmlns="" w="9525">
                   <a:solidFill>
                     <a:srgbClr val="000000"/>
                   </a:solidFill>
@@ -1468,7 +1469,7 @@
             </a:ln>
             <a:extLst>
               <a:ext uri="{91240B29-F687-4f45-9708-019B960494DF}">
-                <a14:hiddenLine xmlns="" xmlns:a14="http://schemas.microsoft.com/office/drawing/2010/main" w="9525">
+                <a14:hiddenLine xmlns:a14="http://schemas.microsoft.com/office/drawing/2010/main" xmlns="" w="9525">
                   <a:solidFill>
                     <a:srgbClr val="000000"/>
                   </a:solidFill>
@@ -1530,7 +1531,7 @@
             </a:ln>
             <a:extLst>
               <a:ext uri="{91240B29-F687-4f45-9708-019B960494DF}">
-                <a14:hiddenLine xmlns="" xmlns:a14="http://schemas.microsoft.com/office/drawing/2010/main" w="9525">
+                <a14:hiddenLine xmlns:a14="http://schemas.microsoft.com/office/drawing/2010/main" xmlns="" w="9525">
                   <a:solidFill>
                     <a:srgbClr val="000000"/>
                   </a:solidFill>
@@ -1620,7 +1621,7 @@
             </a:ln>
             <a:extLst>
               <a:ext uri="{91240B29-F687-4f45-9708-019B960494DF}">
-                <a14:hiddenLine xmlns="" xmlns:a14="http://schemas.microsoft.com/office/drawing/2010/main" w="9525">
+                <a14:hiddenLine xmlns:a14="http://schemas.microsoft.com/office/drawing/2010/main" xmlns="" w="9525">
                   <a:solidFill>
                     <a:srgbClr val="000000"/>
                   </a:solidFill>
@@ -1710,7 +1711,7 @@
             </a:ln>
             <a:extLst>
               <a:ext uri="{91240B29-F687-4f45-9708-019B960494DF}">
-                <a14:hiddenLine xmlns="" xmlns:a14="http://schemas.microsoft.com/office/drawing/2010/main" w="9525">
+                <a14:hiddenLine xmlns:a14="http://schemas.microsoft.com/office/drawing/2010/main" xmlns="" w="9525">
                   <a:solidFill>
                     <a:srgbClr val="000000"/>
                   </a:solidFill>
@@ -1766,7 +1767,7 @@
             </a:ln>
             <a:extLst>
               <a:ext uri="{91240B29-F687-4f45-9708-019B960494DF}">
-                <a14:hiddenLine xmlns="" xmlns:a14="http://schemas.microsoft.com/office/drawing/2010/main" w="9525">
+                <a14:hiddenLine xmlns:a14="http://schemas.microsoft.com/office/drawing/2010/main" xmlns="" w="9525">
                   <a:solidFill>
                     <a:srgbClr val="000000"/>
                   </a:solidFill>
@@ -1856,7 +1857,7 @@
             </a:ln>
             <a:extLst>
               <a:ext uri="{91240B29-F687-4f45-9708-019B960494DF}">
-                <a14:hiddenLine xmlns="" xmlns:a14="http://schemas.microsoft.com/office/drawing/2010/main" w="9525">
+                <a14:hiddenLine xmlns:a14="http://schemas.microsoft.com/office/drawing/2010/main" xmlns="" w="9525">
                   <a:solidFill>
                     <a:srgbClr val="000000"/>
                   </a:solidFill>
@@ -1912,7 +1913,7 @@
             </a:ln>
             <a:extLst>
               <a:ext uri="{91240B29-F687-4f45-9708-019B960494DF}">
-                <a14:hiddenLine xmlns="" xmlns:a14="http://schemas.microsoft.com/office/drawing/2010/main" w="9525">
+                <a14:hiddenLine xmlns:a14="http://schemas.microsoft.com/office/drawing/2010/main" xmlns="" w="9525">
                   <a:solidFill>
                     <a:srgbClr val="000000"/>
                   </a:solidFill>
@@ -2002,7 +2003,7 @@
             </a:ln>
             <a:extLst>
               <a:ext uri="{91240B29-F687-4f45-9708-019B960494DF}">
-                <a14:hiddenLine xmlns="" xmlns:a14="http://schemas.microsoft.com/office/drawing/2010/main" w="9525">
+                <a14:hiddenLine xmlns:a14="http://schemas.microsoft.com/office/drawing/2010/main" xmlns="" w="9525">
                   <a:solidFill>
                     <a:srgbClr val="000000"/>
                   </a:solidFill>
@@ -2070,7 +2071,7 @@
             </a:ln>
             <a:extLst>
               <a:ext uri="{91240B29-F687-4f45-9708-019B960494DF}">
-                <a14:hiddenLine xmlns="" xmlns:a14="http://schemas.microsoft.com/office/drawing/2010/main" w="9525">
+                <a14:hiddenLine xmlns:a14="http://schemas.microsoft.com/office/drawing/2010/main" xmlns="" w="9525">
                   <a:solidFill>
                     <a:srgbClr val="000000"/>
                   </a:solidFill>
@@ -2160,7 +2161,7 @@
             </a:ln>
             <a:extLst>
               <a:ext uri="{91240B29-F687-4f45-9708-019B960494DF}">
-                <a14:hiddenLine xmlns="" xmlns:a14="http://schemas.microsoft.com/office/drawing/2010/main" w="9525">
+                <a14:hiddenLine xmlns:a14="http://schemas.microsoft.com/office/drawing/2010/main" xmlns="" w="9525">
                   <a:solidFill>
                     <a:srgbClr val="000000"/>
                   </a:solidFill>
@@ -2228,7 +2229,7 @@
             </a:ln>
             <a:extLst>
               <a:ext uri="{91240B29-F687-4f45-9708-019B960494DF}">
-                <a14:hiddenLine xmlns="" xmlns:a14="http://schemas.microsoft.com/office/drawing/2010/main" w="9525">
+                <a14:hiddenLine xmlns:a14="http://schemas.microsoft.com/office/drawing/2010/main" xmlns="" w="9525">
                   <a:solidFill>
                     <a:srgbClr val="000000"/>
                   </a:solidFill>
@@ -2318,7 +2319,7 @@
             </a:ln>
             <a:extLst>
               <a:ext uri="{91240B29-F687-4f45-9708-019B960494DF}">
-                <a14:hiddenLine xmlns="" xmlns:a14="http://schemas.microsoft.com/office/drawing/2010/main" w="9525">
+                <a14:hiddenLine xmlns:a14="http://schemas.microsoft.com/office/drawing/2010/main" xmlns="" w="9525">
                   <a:solidFill>
                     <a:srgbClr val="000000"/>
                   </a:solidFill>
@@ -2352,7 +2353,7 @@
             </a:ln>
             <a:extLst>
               <a:ext uri="{91240B29-F687-4f45-9708-019B960494DF}">
-                <a14:hiddenLine xmlns="" xmlns:a14="http://schemas.microsoft.com/office/drawing/2010/main" w="9525">
+                <a14:hiddenLine xmlns:a14="http://schemas.microsoft.com/office/drawing/2010/main" xmlns="" w="9525">
                   <a:solidFill>
                     <a:srgbClr val="000000"/>
                   </a:solidFill>
@@ -2442,7 +2443,7 @@
             </a:ln>
             <a:extLst>
               <a:ext uri="{91240B29-F687-4f45-9708-019B960494DF}">
-                <a14:hiddenLine xmlns="" xmlns:a14="http://schemas.microsoft.com/office/drawing/2010/main" w="9525">
+                <a14:hiddenLine xmlns:a14="http://schemas.microsoft.com/office/drawing/2010/main" xmlns="" w="9525">
                   <a:solidFill>
                     <a:srgbClr val="000000"/>
                   </a:solidFill>
@@ -2504,7 +2505,7 @@
             </a:ln>
             <a:extLst>
               <a:ext uri="{91240B29-F687-4f45-9708-019B960494DF}">
-                <a14:hiddenLine xmlns="" xmlns:a14="http://schemas.microsoft.com/office/drawing/2010/main" w="9525">
+                <a14:hiddenLine xmlns:a14="http://schemas.microsoft.com/office/drawing/2010/main" xmlns="" w="9525">
                   <a:solidFill>
                     <a:srgbClr val="000000"/>
                   </a:solidFill>
@@ -2566,7 +2567,7 @@
             </a:ln>
             <a:extLst>
               <a:ext uri="{91240B29-F687-4f45-9708-019B960494DF}">
-                <a14:hiddenLine xmlns="" xmlns:a14="http://schemas.microsoft.com/office/drawing/2010/main" w="9525">
+                <a14:hiddenLine xmlns:a14="http://schemas.microsoft.com/office/drawing/2010/main" xmlns="" w="9525">
                   <a:solidFill>
                     <a:srgbClr val="000000"/>
                   </a:solidFill>
@@ -2656,7 +2657,7 @@
             </a:ln>
             <a:extLst>
               <a:ext uri="{91240B29-F687-4f45-9708-019B960494DF}">
-                <a14:hiddenLine xmlns="" xmlns:a14="http://schemas.microsoft.com/office/drawing/2010/main" w="9525">
+                <a14:hiddenLine xmlns:a14="http://schemas.microsoft.com/office/drawing/2010/main" xmlns="" w="9525">
                   <a:solidFill>
                     <a:srgbClr val="000000"/>
                   </a:solidFill>
@@ -2724,7 +2725,7 @@
             </a:ln>
             <a:extLst>
               <a:ext uri="{91240B29-F687-4f45-9708-019B960494DF}">
-                <a14:hiddenLine xmlns="" xmlns:a14="http://schemas.microsoft.com/office/drawing/2010/main" w="9525">
+                <a14:hiddenLine xmlns:a14="http://schemas.microsoft.com/office/drawing/2010/main" xmlns="" w="9525">
                   <a:solidFill>
                     <a:srgbClr val="000000"/>
                   </a:solidFill>
@@ -2786,7 +2787,7 @@
             </a:ln>
             <a:extLst>
               <a:ext uri="{91240B29-F687-4f45-9708-019B960494DF}">
-                <a14:hiddenLine xmlns="" xmlns:a14="http://schemas.microsoft.com/office/drawing/2010/main" w="9525">
+                <a14:hiddenLine xmlns:a14="http://schemas.microsoft.com/office/drawing/2010/main" xmlns="" w="9525">
                   <a:solidFill>
                     <a:srgbClr val="000000"/>
                   </a:solidFill>
@@ -2876,7 +2877,7 @@
             </a:ln>
             <a:extLst>
               <a:ext uri="{91240B29-F687-4f45-9708-019B960494DF}">
-                <a14:hiddenLine xmlns="" xmlns:a14="http://schemas.microsoft.com/office/drawing/2010/main" w="9525">
+                <a14:hiddenLine xmlns:a14="http://schemas.microsoft.com/office/drawing/2010/main" xmlns="" w="9525">
                   <a:solidFill>
                     <a:srgbClr val="000000"/>
                   </a:solidFill>
@@ -2938,7 +2939,7 @@
             </a:ln>
             <a:extLst>
               <a:ext uri="{91240B29-F687-4f45-9708-019B960494DF}">
-                <a14:hiddenLine xmlns="" xmlns:a14="http://schemas.microsoft.com/office/drawing/2010/main" w="9525">
+                <a14:hiddenLine xmlns:a14="http://schemas.microsoft.com/office/drawing/2010/main" xmlns="" w="9525">
                   <a:solidFill>
                     <a:srgbClr val="000000"/>
                   </a:solidFill>
@@ -3028,7 +3029,7 @@
             </a:ln>
             <a:extLst>
               <a:ext uri="{91240B29-F687-4f45-9708-019B960494DF}">
-                <a14:hiddenLine xmlns="" xmlns:a14="http://schemas.microsoft.com/office/drawing/2010/main" w="9525">
+                <a14:hiddenLine xmlns:a14="http://schemas.microsoft.com/office/drawing/2010/main" xmlns="" w="9525">
                   <a:solidFill>
                     <a:srgbClr val="000000"/>
                   </a:solidFill>
@@ -3090,7 +3091,7 @@
             </a:ln>
             <a:extLst>
               <a:ext uri="{91240B29-F687-4f45-9708-019B960494DF}">
-                <a14:hiddenLine xmlns="" xmlns:a14="http://schemas.microsoft.com/office/drawing/2010/main" w="9525">
+                <a14:hiddenLine xmlns:a14="http://schemas.microsoft.com/office/drawing/2010/main" xmlns="" w="9525">
                   <a:solidFill>
                     <a:srgbClr val="000000"/>
                   </a:solidFill>
@@ -3180,7 +3181,7 @@
             </a:ln>
             <a:extLst>
               <a:ext uri="{91240B29-F687-4f45-9708-019B960494DF}">
-                <a14:hiddenLine xmlns="" xmlns:a14="http://schemas.microsoft.com/office/drawing/2010/main" w="9525">
+                <a14:hiddenLine xmlns:a14="http://schemas.microsoft.com/office/drawing/2010/main" xmlns="" w="9525">
                   <a:solidFill>
                     <a:srgbClr val="000000"/>
                   </a:solidFill>
@@ -3214,7 +3215,7 @@
             </a:ln>
             <a:extLst>
               <a:ext uri="{91240B29-F687-4f45-9708-019B960494DF}">
-                <a14:hiddenLine xmlns="" xmlns:a14="http://schemas.microsoft.com/office/drawing/2010/main" w="9525">
+                <a14:hiddenLine xmlns:a14="http://schemas.microsoft.com/office/drawing/2010/main" xmlns="" w="9525">
                   <a:solidFill>
                     <a:srgbClr val="000000"/>
                   </a:solidFill>
@@ -3279,7 +3280,7 @@
             </a:ln>
             <a:extLst>
               <a:ext uri="{91240B29-F687-4f45-9708-019B960494DF}">
-                <a14:hiddenLine xmlns="" xmlns:a14="http://schemas.microsoft.com/office/drawing/2010/main" w="9525">
+                <a14:hiddenLine xmlns:a14="http://schemas.microsoft.com/office/drawing/2010/main" xmlns="" w="9525">
                   <a:solidFill>
                     <a:srgbClr val="000000"/>
                   </a:solidFill>
@@ -3369,7 +3370,7 @@
             </a:ln>
             <a:extLst>
               <a:ext uri="{91240B29-F687-4f45-9708-019B960494DF}">
-                <a14:hiddenLine xmlns="" xmlns:a14="http://schemas.microsoft.com/office/drawing/2010/main" w="9525">
+                <a14:hiddenLine xmlns:a14="http://schemas.microsoft.com/office/drawing/2010/main" xmlns="" w="9525">
                   <a:solidFill>
                     <a:srgbClr val="000000"/>
                   </a:solidFill>
@@ -3431,7 +3432,7 @@
             </a:ln>
             <a:extLst>
               <a:ext uri="{91240B29-F687-4f45-9708-019B960494DF}">
-                <a14:hiddenLine xmlns="" xmlns:a14="http://schemas.microsoft.com/office/drawing/2010/main" w="9525">
+                <a14:hiddenLine xmlns:a14="http://schemas.microsoft.com/office/drawing/2010/main" xmlns="" w="9525">
                   <a:solidFill>
                     <a:srgbClr val="000000"/>
                   </a:solidFill>
@@ -3521,7 +3522,7 @@
             </a:ln>
             <a:extLst>
               <a:ext uri="{91240B29-F687-4f45-9708-019B960494DF}">
-                <a14:hiddenLine xmlns="" xmlns:a14="http://schemas.microsoft.com/office/drawing/2010/main" w="9525">
+                <a14:hiddenLine xmlns:a14="http://schemas.microsoft.com/office/drawing/2010/main" xmlns="" w="9525">
                   <a:solidFill>
                     <a:srgbClr val="000000"/>
                   </a:solidFill>
@@ -3611,7 +3612,7 @@
             </a:ln>
             <a:extLst>
               <a:ext uri="{91240B29-F687-4f45-9708-019B960494DF}">
-                <a14:hiddenLine xmlns="" xmlns:a14="http://schemas.microsoft.com/office/drawing/2010/main" w="9525">
+                <a14:hiddenLine xmlns:a14="http://schemas.microsoft.com/office/drawing/2010/main" xmlns="" w="9525">
                   <a:solidFill>
                     <a:srgbClr val="000000"/>
                   </a:solidFill>
@@ -3676,7 +3677,7 @@
             </a:ln>
             <a:extLst>
               <a:ext uri="{91240B29-F687-4f45-9708-019B960494DF}">
-                <a14:hiddenLine xmlns="" xmlns:a14="http://schemas.microsoft.com/office/drawing/2010/main" w="9525">
+                <a14:hiddenLine xmlns:a14="http://schemas.microsoft.com/office/drawing/2010/main" xmlns="" w="9525">
                   <a:solidFill>
                     <a:srgbClr val="000000"/>
                   </a:solidFill>
@@ -3738,7 +3739,7 @@
             </a:ln>
             <a:extLst>
               <a:ext uri="{91240B29-F687-4f45-9708-019B960494DF}">
-                <a14:hiddenLine xmlns="" xmlns:a14="http://schemas.microsoft.com/office/drawing/2010/main" w="9525">
+                <a14:hiddenLine xmlns:a14="http://schemas.microsoft.com/office/drawing/2010/main" xmlns="" w="9525">
                   <a:solidFill>
                     <a:srgbClr val="000000"/>
                   </a:solidFill>
@@ -3828,7 +3829,7 @@
             </a:ln>
             <a:extLst>
               <a:ext uri="{91240B29-F687-4f45-9708-019B960494DF}">
-                <a14:hiddenLine xmlns="" xmlns:a14="http://schemas.microsoft.com/office/drawing/2010/main" w="9525">
+                <a14:hiddenLine xmlns:a14="http://schemas.microsoft.com/office/drawing/2010/main" xmlns="" w="9525">
                   <a:solidFill>
                     <a:srgbClr val="000000"/>
                   </a:solidFill>
@@ -3918,7 +3919,7 @@
             </a:ln>
             <a:extLst>
               <a:ext uri="{91240B29-F687-4f45-9708-019B960494DF}">
-                <a14:hiddenLine xmlns="" xmlns:a14="http://schemas.microsoft.com/office/drawing/2010/main" w="9525">
+                <a14:hiddenLine xmlns:a14="http://schemas.microsoft.com/office/drawing/2010/main" xmlns="" w="9525">
                   <a:solidFill>
                     <a:srgbClr val="000000"/>
                   </a:solidFill>
@@ -3980,7 +3981,7 @@
             </a:ln>
             <a:extLst>
               <a:ext uri="{91240B29-F687-4f45-9708-019B960494DF}">
-                <a14:hiddenLine xmlns="" xmlns:a14="http://schemas.microsoft.com/office/drawing/2010/main" w="9525">
+                <a14:hiddenLine xmlns:a14="http://schemas.microsoft.com/office/drawing/2010/main" xmlns="" w="9525">
                   <a:solidFill>
                     <a:srgbClr val="000000"/>
                   </a:solidFill>
@@ -4100,7 +4101,7 @@
             </a:ln>
             <a:extLst>
               <a:ext uri="{91240B29-F687-4f45-9708-019B960494DF}">
-                <a14:hiddenLine xmlns="" xmlns:a14="http://schemas.microsoft.com/office/drawing/2010/main" w="9525">
+                <a14:hiddenLine xmlns:a14="http://schemas.microsoft.com/office/drawing/2010/main" xmlns="" w="9525">
                   <a:solidFill>
                     <a:srgbClr val="000000"/>
                   </a:solidFill>
@@ -4168,7 +4169,7 @@
             </a:ln>
             <a:extLst>
               <a:ext uri="{91240B29-F687-4f45-9708-019B960494DF}">
-                <a14:hiddenLine xmlns="" xmlns:a14="http://schemas.microsoft.com/office/drawing/2010/main" w="9525">
+                <a14:hiddenLine xmlns:a14="http://schemas.microsoft.com/office/drawing/2010/main" xmlns="" w="9525">
                   <a:solidFill>
                     <a:srgbClr val="000000"/>
                   </a:solidFill>
@@ -4258,7 +4259,7 @@
             </a:ln>
             <a:extLst>
               <a:ext uri="{91240B29-F687-4f45-9708-019B960494DF}">
-                <a14:hiddenLine xmlns="" xmlns:a14="http://schemas.microsoft.com/office/drawing/2010/main" w="9525">
+                <a14:hiddenLine xmlns:a14="http://schemas.microsoft.com/office/drawing/2010/main" xmlns="" w="9525">
                   <a:solidFill>
                     <a:srgbClr val="000000"/>
                   </a:solidFill>
@@ -4398,7 +4399,7 @@
           <a:p>
             <a:fld id="{53655034-DEE9-4451-BA09-7D4B727BD803}" type="datetimeFigureOut">
               <a:rPr lang="en-GB" smtClean="0"/>
-              <a:t>21/08/2021</a:t>
+              <a:t>03/09/2021</a:t>
             </a:fld>
             <a:endParaRPr lang="en-GB"/>
           </a:p>
@@ -4665,7 +4666,7 @@
           <a:p>
             <a:fld id="{53655034-DEE9-4451-BA09-7D4B727BD803}" type="datetimeFigureOut">
               <a:rPr lang="en-GB" smtClean="0"/>
-              <a:t>21/08/2021</a:t>
+              <a:t>03/09/2021</a:t>
             </a:fld>
             <a:endParaRPr lang="en-GB"/>
           </a:p>
@@ -4861,7 +4862,7 @@
           <a:p>
             <a:fld id="{53655034-DEE9-4451-BA09-7D4B727BD803}" type="datetimeFigureOut">
               <a:rPr lang="en-GB" smtClean="0"/>
-              <a:t>21/08/2021</a:t>
+              <a:t>03/09/2021</a:t>
             </a:fld>
             <a:endParaRPr lang="en-GB"/>
           </a:p>
@@ -5124,7 +5125,7 @@
           <a:p>
             <a:fld id="{53655034-DEE9-4451-BA09-7D4B727BD803}" type="datetimeFigureOut">
               <a:rPr lang="en-GB" smtClean="0"/>
-              <a:t>21/08/2021</a:t>
+              <a:t>03/09/2021</a:t>
             </a:fld>
             <a:endParaRPr lang="en-GB"/>
           </a:p>
@@ -5558,7 +5559,7 @@
           <a:p>
             <a:fld id="{53655034-DEE9-4451-BA09-7D4B727BD803}" type="datetimeFigureOut">
               <a:rPr lang="en-GB" smtClean="0"/>
-              <a:t>21/08/2021</a:t>
+              <a:t>03/09/2021</a:t>
             </a:fld>
             <a:endParaRPr lang="en-GB"/>
           </a:p>
@@ -6104,7 +6105,7 @@
           <a:p>
             <a:fld id="{53655034-DEE9-4451-BA09-7D4B727BD803}" type="datetimeFigureOut">
               <a:rPr lang="en-GB" smtClean="0"/>
-              <a:t>21/08/2021</a:t>
+              <a:t>03/09/2021</a:t>
             </a:fld>
             <a:endParaRPr lang="en-GB"/>
           </a:p>
@@ -6824,7 +6825,7 @@
           <a:p>
             <a:fld id="{53655034-DEE9-4451-BA09-7D4B727BD803}" type="datetimeFigureOut">
               <a:rPr lang="en-GB" smtClean="0"/>
-              <a:t>21/08/2021</a:t>
+              <a:t>03/09/2021</a:t>
             </a:fld>
             <a:endParaRPr lang="en-GB"/>
           </a:p>
@@ -6994,7 +6995,7 @@
           <a:p>
             <a:fld id="{53655034-DEE9-4451-BA09-7D4B727BD803}" type="datetimeFigureOut">
               <a:rPr lang="en-GB" smtClean="0"/>
-              <a:t>21/08/2021</a:t>
+              <a:t>03/09/2021</a:t>
             </a:fld>
             <a:endParaRPr lang="en-GB"/>
           </a:p>
@@ -7174,7 +7175,7 @@
           <a:p>
             <a:fld id="{53655034-DEE9-4451-BA09-7D4B727BD803}" type="datetimeFigureOut">
               <a:rPr lang="en-GB" smtClean="0"/>
-              <a:t>21/08/2021</a:t>
+              <a:t>03/09/2021</a:t>
             </a:fld>
             <a:endParaRPr lang="en-GB"/>
           </a:p>
@@ -7344,7 +7345,7 @@
           <a:p>
             <a:fld id="{53655034-DEE9-4451-BA09-7D4B727BD803}" type="datetimeFigureOut">
               <a:rPr lang="en-GB" smtClean="0"/>
-              <a:t>21/08/2021</a:t>
+              <a:t>03/09/2021</a:t>
             </a:fld>
             <a:endParaRPr lang="en-GB"/>
           </a:p>
@@ -7594,7 +7595,7 @@
           <a:p>
             <a:fld id="{53655034-DEE9-4451-BA09-7D4B727BD803}" type="datetimeFigureOut">
               <a:rPr lang="en-GB" smtClean="0"/>
-              <a:t>21/08/2021</a:t>
+              <a:t>03/09/2021</a:t>
             </a:fld>
             <a:endParaRPr lang="en-GB"/>
           </a:p>
@@ -7826,7 +7827,7 @@
           <a:p>
             <a:fld id="{53655034-DEE9-4451-BA09-7D4B727BD803}" type="datetimeFigureOut">
               <a:rPr lang="en-GB" smtClean="0"/>
-              <a:t>21/08/2021</a:t>
+              <a:t>03/09/2021</a:t>
             </a:fld>
             <a:endParaRPr lang="en-GB"/>
           </a:p>
@@ -8207,7 +8208,7 @@
           <a:p>
             <a:fld id="{53655034-DEE9-4451-BA09-7D4B727BD803}" type="datetimeFigureOut">
               <a:rPr lang="en-GB" smtClean="0"/>
-              <a:t>21/08/2021</a:t>
+              <a:t>03/09/2021</a:t>
             </a:fld>
             <a:endParaRPr lang="en-GB"/>
           </a:p>
@@ -8325,7 +8326,7 @@
           <a:p>
             <a:fld id="{53655034-DEE9-4451-BA09-7D4B727BD803}" type="datetimeFigureOut">
               <a:rPr lang="en-GB" smtClean="0"/>
-              <a:t>21/08/2021</a:t>
+              <a:t>03/09/2021</a:t>
             </a:fld>
             <a:endParaRPr lang="en-GB"/>
           </a:p>
@@ -8420,7 +8421,7 @@
           <a:p>
             <a:fld id="{53655034-DEE9-4451-BA09-7D4B727BD803}" type="datetimeFigureOut">
               <a:rPr lang="en-GB" smtClean="0"/>
-              <a:t>21/08/2021</a:t>
+              <a:t>03/09/2021</a:t>
             </a:fld>
             <a:endParaRPr lang="en-GB"/>
           </a:p>
@@ -8669,7 +8670,7 @@
           <a:p>
             <a:fld id="{53655034-DEE9-4451-BA09-7D4B727BD803}" type="datetimeFigureOut">
               <a:rPr lang="en-GB" smtClean="0"/>
-              <a:t>21/08/2021</a:t>
+              <a:t>03/09/2021</a:t>
             </a:fld>
             <a:endParaRPr lang="en-GB"/>
           </a:p>
@@ -8949,7 +8950,7 @@
           <a:p>
             <a:fld id="{53655034-DEE9-4451-BA09-7D4B727BD803}" type="datetimeFigureOut">
               <a:rPr lang="en-GB" smtClean="0"/>
-              <a:t>21/08/2021</a:t>
+              <a:t>03/09/2021</a:t>
             </a:fld>
             <a:endParaRPr lang="en-GB"/>
           </a:p>
@@ -9065,7 +9066,7 @@
           <a:noFill/>
           <a:extLst>
             <a:ext uri="{909E8E84-426E-40dd-AFC4-6F175D3DCCD1}">
-              <a14:hiddenFill xmlns="" xmlns:a14="http://schemas.microsoft.com/office/drawing/2010/main">
+              <a14:hiddenFill xmlns:a14="http://schemas.microsoft.com/office/drawing/2010/main" xmlns="">
                 <a:solidFill>
                   <a:srgbClr val="FFFFFF"/>
                 </a:solidFill>
@@ -9139,7 +9140,7 @@
               </a:ln>
               <a:extLst>
                 <a:ext uri="{91240B29-F687-4f45-9708-019B960494DF}">
-                  <a14:hiddenLine xmlns="" xmlns:a14="http://schemas.microsoft.com/office/drawing/2010/main" w="9525">
+                  <a14:hiddenLine xmlns:a14="http://schemas.microsoft.com/office/drawing/2010/main" xmlns="" w="9525">
                     <a:solidFill>
                       <a:srgbClr val="000000"/>
                     </a:solidFill>
@@ -9229,7 +9230,7 @@
               </a:ln>
               <a:extLst>
                 <a:ext uri="{91240B29-F687-4f45-9708-019B960494DF}">
-                  <a14:hiddenLine xmlns="" xmlns:a14="http://schemas.microsoft.com/office/drawing/2010/main" w="9525">
+                  <a14:hiddenLine xmlns:a14="http://schemas.microsoft.com/office/drawing/2010/main" xmlns="" w="9525">
                     <a:solidFill>
                       <a:srgbClr val="000000"/>
                     </a:solidFill>
@@ -9319,7 +9320,7 @@
               </a:ln>
               <a:extLst>
                 <a:ext uri="{91240B29-F687-4f45-9708-019B960494DF}">
-                  <a14:hiddenLine xmlns="" xmlns:a14="http://schemas.microsoft.com/office/drawing/2010/main" w="9525">
+                  <a14:hiddenLine xmlns:a14="http://schemas.microsoft.com/office/drawing/2010/main" xmlns="" w="9525">
                     <a:solidFill>
                       <a:srgbClr val="000000"/>
                     </a:solidFill>
@@ -9381,7 +9382,7 @@
               </a:ln>
               <a:extLst>
                 <a:ext uri="{91240B29-F687-4f45-9708-019B960494DF}">
-                  <a14:hiddenLine xmlns="" xmlns:a14="http://schemas.microsoft.com/office/drawing/2010/main" w="9525">
+                  <a14:hiddenLine xmlns:a14="http://schemas.microsoft.com/office/drawing/2010/main" xmlns="" w="9525">
                     <a:solidFill>
                       <a:srgbClr val="000000"/>
                     </a:solidFill>
@@ -9471,7 +9472,7 @@
               </a:ln>
               <a:extLst>
                 <a:ext uri="{91240B29-F687-4f45-9708-019B960494DF}">
-                  <a14:hiddenLine xmlns="" xmlns:a14="http://schemas.microsoft.com/office/drawing/2010/main" w="9525">
+                  <a14:hiddenLine xmlns:a14="http://schemas.microsoft.com/office/drawing/2010/main" xmlns="" w="9525">
                     <a:solidFill>
                       <a:srgbClr val="000000"/>
                     </a:solidFill>
@@ -9533,7 +9534,7 @@
               </a:ln>
               <a:extLst>
                 <a:ext uri="{91240B29-F687-4f45-9708-019B960494DF}">
-                  <a14:hiddenLine xmlns="" xmlns:a14="http://schemas.microsoft.com/office/drawing/2010/main" w="9525">
+                  <a14:hiddenLine xmlns:a14="http://schemas.microsoft.com/office/drawing/2010/main" xmlns="" w="9525">
                     <a:solidFill>
                       <a:srgbClr val="000000"/>
                     </a:solidFill>
@@ -9595,7 +9596,7 @@
               </a:ln>
               <a:extLst>
                 <a:ext uri="{91240B29-F687-4f45-9708-019B960494DF}">
-                  <a14:hiddenLine xmlns="" xmlns:a14="http://schemas.microsoft.com/office/drawing/2010/main" w="9525">
+                  <a14:hiddenLine xmlns:a14="http://schemas.microsoft.com/office/drawing/2010/main" xmlns="" w="9525">
                     <a:solidFill>
                       <a:srgbClr val="000000"/>
                     </a:solidFill>
@@ -9685,7 +9686,7 @@
               </a:ln>
               <a:extLst>
                 <a:ext uri="{91240B29-F687-4f45-9708-019B960494DF}">
-                  <a14:hiddenLine xmlns="" xmlns:a14="http://schemas.microsoft.com/office/drawing/2010/main" w="9525">
+                  <a14:hiddenLine xmlns:a14="http://schemas.microsoft.com/office/drawing/2010/main" xmlns="" w="9525">
                     <a:solidFill>
                       <a:srgbClr val="000000"/>
                     </a:solidFill>
@@ -9775,7 +9776,7 @@
               </a:ln>
               <a:extLst>
                 <a:ext uri="{91240B29-F687-4f45-9708-019B960494DF}">
-                  <a14:hiddenLine xmlns="" xmlns:a14="http://schemas.microsoft.com/office/drawing/2010/main" w="9525">
+                  <a14:hiddenLine xmlns:a14="http://schemas.microsoft.com/office/drawing/2010/main" xmlns="" w="9525">
                     <a:solidFill>
                       <a:srgbClr val="000000"/>
                     </a:solidFill>
@@ -9837,7 +9838,7 @@
               </a:ln>
               <a:extLst>
                 <a:ext uri="{91240B29-F687-4f45-9708-019B960494DF}">
-                  <a14:hiddenLine xmlns="" xmlns:a14="http://schemas.microsoft.com/office/drawing/2010/main" w="9525">
+                  <a14:hiddenLine xmlns:a14="http://schemas.microsoft.com/office/drawing/2010/main" xmlns="" w="9525">
                     <a:solidFill>
                       <a:srgbClr val="000000"/>
                     </a:solidFill>
@@ -9947,7 +9948,7 @@
               </a:ln>
               <a:extLst>
                 <a:ext uri="{91240B29-F687-4f45-9708-019B960494DF}">
-                  <a14:hiddenLine xmlns="" xmlns:a14="http://schemas.microsoft.com/office/drawing/2010/main" w="9525">
+                  <a14:hiddenLine xmlns:a14="http://schemas.microsoft.com/office/drawing/2010/main" xmlns="" w="9525">
                     <a:solidFill>
                       <a:srgbClr val="000000"/>
                     </a:solidFill>
@@ -10031,7 +10032,7 @@
               </a:ln>
               <a:extLst>
                 <a:ext uri="{91240B29-F687-4f45-9708-019B960494DF}">
-                  <a14:hiddenLine xmlns="" xmlns:a14="http://schemas.microsoft.com/office/drawing/2010/main" w="9525">
+                  <a14:hiddenLine xmlns:a14="http://schemas.microsoft.com/office/drawing/2010/main" xmlns="" w="9525">
                     <a:solidFill>
                       <a:srgbClr val="000000"/>
                     </a:solidFill>
@@ -10093,7 +10094,7 @@
               </a:ln>
               <a:extLst>
                 <a:ext uri="{91240B29-F687-4f45-9708-019B960494DF}">
-                  <a14:hiddenLine xmlns="" xmlns:a14="http://schemas.microsoft.com/office/drawing/2010/main" w="9525">
+                  <a14:hiddenLine xmlns:a14="http://schemas.microsoft.com/office/drawing/2010/main" xmlns="" w="9525">
                     <a:solidFill>
                       <a:srgbClr val="000000"/>
                     </a:solidFill>
@@ -10155,7 +10156,7 @@
               </a:ln>
               <a:extLst>
                 <a:ext uri="{91240B29-F687-4f45-9708-019B960494DF}">
-                  <a14:hiddenLine xmlns="" xmlns:a14="http://schemas.microsoft.com/office/drawing/2010/main" w="9525">
+                  <a14:hiddenLine xmlns:a14="http://schemas.microsoft.com/office/drawing/2010/main" xmlns="" w="9525">
                     <a:solidFill>
                       <a:srgbClr val="000000"/>
                     </a:solidFill>
@@ -10245,7 +10246,7 @@
               </a:ln>
               <a:extLst>
                 <a:ext uri="{91240B29-F687-4f45-9708-019B960494DF}">
-                  <a14:hiddenLine xmlns="" xmlns:a14="http://schemas.microsoft.com/office/drawing/2010/main" w="9525">
+                  <a14:hiddenLine xmlns:a14="http://schemas.microsoft.com/office/drawing/2010/main" xmlns="" w="9525">
                     <a:solidFill>
                       <a:srgbClr val="000000"/>
                     </a:solidFill>
@@ -10279,7 +10280,7 @@
               </a:ln>
               <a:extLst>
                 <a:ext uri="{91240B29-F687-4f45-9708-019B960494DF}">
-                  <a14:hiddenLine xmlns="" xmlns:a14="http://schemas.microsoft.com/office/drawing/2010/main" w="9525">
+                  <a14:hiddenLine xmlns:a14="http://schemas.microsoft.com/office/drawing/2010/main" xmlns="" w="9525">
                     <a:solidFill>
                       <a:srgbClr val="000000"/>
                     </a:solidFill>
@@ -10344,7 +10345,7 @@
               </a:ln>
               <a:extLst>
                 <a:ext uri="{91240B29-F687-4f45-9708-019B960494DF}">
-                  <a14:hiddenLine xmlns="" xmlns:a14="http://schemas.microsoft.com/office/drawing/2010/main" w="9525">
+                  <a14:hiddenLine xmlns:a14="http://schemas.microsoft.com/office/drawing/2010/main" xmlns="" w="9525">
                     <a:solidFill>
                       <a:srgbClr val="000000"/>
                     </a:solidFill>
@@ -10434,7 +10435,7 @@
               </a:ln>
               <a:extLst>
                 <a:ext uri="{91240B29-F687-4f45-9708-019B960494DF}">
-                  <a14:hiddenLine xmlns="" xmlns:a14="http://schemas.microsoft.com/office/drawing/2010/main" w="9525">
+                  <a14:hiddenLine xmlns:a14="http://schemas.microsoft.com/office/drawing/2010/main" xmlns="" w="9525">
                     <a:solidFill>
                       <a:srgbClr val="000000"/>
                     </a:solidFill>
@@ -10496,7 +10497,7 @@
               </a:ln>
               <a:extLst>
                 <a:ext uri="{91240B29-F687-4f45-9708-019B960494DF}">
-                  <a14:hiddenLine xmlns="" xmlns:a14="http://schemas.microsoft.com/office/drawing/2010/main" w="9525">
+                  <a14:hiddenLine xmlns:a14="http://schemas.microsoft.com/office/drawing/2010/main" xmlns="" w="9525">
                     <a:solidFill>
                       <a:srgbClr val="000000"/>
                     </a:solidFill>
@@ -10586,7 +10587,7 @@
               </a:ln>
               <a:extLst>
                 <a:ext uri="{91240B29-F687-4f45-9708-019B960494DF}">
-                  <a14:hiddenLine xmlns="" xmlns:a14="http://schemas.microsoft.com/office/drawing/2010/main" w="9525">
+                  <a14:hiddenLine xmlns:a14="http://schemas.microsoft.com/office/drawing/2010/main" xmlns="" w="9525">
                     <a:solidFill>
                       <a:srgbClr val="000000"/>
                     </a:solidFill>
@@ -10651,7 +10652,7 @@
               </a:ln>
               <a:extLst>
                 <a:ext uri="{91240B29-F687-4f45-9708-019B960494DF}">
-                  <a14:hiddenLine xmlns="" xmlns:a14="http://schemas.microsoft.com/office/drawing/2010/main" w="9525">
+                  <a14:hiddenLine xmlns:a14="http://schemas.microsoft.com/office/drawing/2010/main" xmlns="" w="9525">
                     <a:solidFill>
                       <a:srgbClr val="000000"/>
                     </a:solidFill>
@@ -10713,7 +10714,7 @@
               </a:ln>
               <a:extLst>
                 <a:ext uri="{91240B29-F687-4f45-9708-019B960494DF}">
-                  <a14:hiddenLine xmlns="" xmlns:a14="http://schemas.microsoft.com/office/drawing/2010/main" w="9525">
+                  <a14:hiddenLine xmlns:a14="http://schemas.microsoft.com/office/drawing/2010/main" xmlns="" w="9525">
                     <a:solidFill>
                       <a:srgbClr val="000000"/>
                     </a:solidFill>
@@ -10803,7 +10804,7 @@
               </a:ln>
               <a:extLst>
                 <a:ext uri="{91240B29-F687-4f45-9708-019B960494DF}">
-                  <a14:hiddenLine xmlns="" xmlns:a14="http://schemas.microsoft.com/office/drawing/2010/main" w="9525">
+                  <a14:hiddenLine xmlns:a14="http://schemas.microsoft.com/office/drawing/2010/main" xmlns="" w="9525">
                     <a:solidFill>
                       <a:srgbClr val="000000"/>
                     </a:solidFill>
@@ -10893,7 +10894,7 @@
               </a:ln>
               <a:extLst>
                 <a:ext uri="{91240B29-F687-4f45-9708-019B960494DF}">
-                  <a14:hiddenLine xmlns="" xmlns:a14="http://schemas.microsoft.com/office/drawing/2010/main" w="9525">
+                  <a14:hiddenLine xmlns:a14="http://schemas.microsoft.com/office/drawing/2010/main" xmlns="" w="9525">
                     <a:solidFill>
                       <a:srgbClr val="000000"/>
                     </a:solidFill>
@@ -10958,7 +10959,7 @@
               </a:ln>
               <a:extLst>
                 <a:ext uri="{91240B29-F687-4f45-9708-019B960494DF}">
-                  <a14:hiddenLine xmlns="" xmlns:a14="http://schemas.microsoft.com/office/drawing/2010/main" w="9525">
+                  <a14:hiddenLine xmlns:a14="http://schemas.microsoft.com/office/drawing/2010/main" xmlns="" w="9525">
                     <a:solidFill>
                       <a:srgbClr val="000000"/>
                     </a:solidFill>
@@ -11078,7 +11079,7 @@
               </a:ln>
               <a:extLst>
                 <a:ext uri="{91240B29-F687-4f45-9708-019B960494DF}">
-                  <a14:hiddenLine xmlns="" xmlns:a14="http://schemas.microsoft.com/office/drawing/2010/main" w="9525">
+                  <a14:hiddenLine xmlns:a14="http://schemas.microsoft.com/office/drawing/2010/main" xmlns="" w="9525">
                     <a:solidFill>
                       <a:srgbClr val="000000"/>
                     </a:solidFill>
@@ -11176,7 +11177,7 @@
               </a:ln>
               <a:extLst>
                 <a:ext uri="{91240B29-F687-4f45-9708-019B960494DF}">
-                  <a14:hiddenLine xmlns="" xmlns:a14="http://schemas.microsoft.com/office/drawing/2010/main" w="9525">
+                  <a14:hiddenLine xmlns:a14="http://schemas.microsoft.com/office/drawing/2010/main" xmlns="" w="9525">
                     <a:solidFill>
                       <a:srgbClr val="000000"/>
                     </a:solidFill>
@@ -11291,7 +11292,7 @@
               </a:ln>
               <a:extLst>
                 <a:ext uri="{91240B29-F687-4f45-9708-019B960494DF}">
-                  <a14:hiddenLine xmlns="" xmlns:a14="http://schemas.microsoft.com/office/drawing/2010/main" w="9525">
+                  <a14:hiddenLine xmlns:a14="http://schemas.microsoft.com/office/drawing/2010/main" xmlns="" w="9525">
                     <a:solidFill>
                       <a:srgbClr val="000000"/>
                     </a:solidFill>
@@ -11381,7 +11382,7 @@
               </a:ln>
               <a:extLst>
                 <a:ext uri="{91240B29-F687-4f45-9708-019B960494DF}">
-                  <a14:hiddenLine xmlns="" xmlns:a14="http://schemas.microsoft.com/office/drawing/2010/main" w="9525">
+                  <a14:hiddenLine xmlns:a14="http://schemas.microsoft.com/office/drawing/2010/main" xmlns="" w="9525">
                     <a:solidFill>
                       <a:srgbClr val="000000"/>
                     </a:solidFill>
@@ -11446,7 +11447,7 @@
               </a:ln>
               <a:extLst>
                 <a:ext uri="{91240B29-F687-4f45-9708-019B960494DF}">
-                  <a14:hiddenLine xmlns="" xmlns:a14="http://schemas.microsoft.com/office/drawing/2010/main" w="9525">
+                  <a14:hiddenLine xmlns:a14="http://schemas.microsoft.com/office/drawing/2010/main" xmlns="" w="9525">
                     <a:solidFill>
                       <a:srgbClr val="000000"/>
                     </a:solidFill>
@@ -11536,7 +11537,7 @@
               </a:ln>
               <a:extLst>
                 <a:ext uri="{91240B29-F687-4f45-9708-019B960494DF}">
-                  <a14:hiddenLine xmlns="" xmlns:a14="http://schemas.microsoft.com/office/drawing/2010/main" w="9525">
+                  <a14:hiddenLine xmlns:a14="http://schemas.microsoft.com/office/drawing/2010/main" xmlns="" w="9525">
                     <a:solidFill>
                       <a:srgbClr val="000000"/>
                     </a:solidFill>
@@ -11604,7 +11605,7 @@
               </a:ln>
               <a:extLst>
                 <a:ext uri="{91240B29-F687-4f45-9708-019B960494DF}">
-                  <a14:hiddenLine xmlns="" xmlns:a14="http://schemas.microsoft.com/office/drawing/2010/main" w="9525">
+                  <a14:hiddenLine xmlns:a14="http://schemas.microsoft.com/office/drawing/2010/main" xmlns="" w="9525">
                     <a:solidFill>
                       <a:srgbClr val="000000"/>
                     </a:solidFill>
@@ -11694,7 +11695,7 @@
               </a:ln>
               <a:extLst>
                 <a:ext uri="{91240B29-F687-4f45-9708-019B960494DF}">
-                  <a14:hiddenLine xmlns="" xmlns:a14="http://schemas.microsoft.com/office/drawing/2010/main" w="9525">
+                  <a14:hiddenLine xmlns:a14="http://schemas.microsoft.com/office/drawing/2010/main" xmlns="" w="9525">
                     <a:solidFill>
                       <a:srgbClr val="000000"/>
                     </a:solidFill>
@@ -11762,7 +11763,7 @@
               </a:ln>
               <a:extLst>
                 <a:ext uri="{91240B29-F687-4f45-9708-019B960494DF}">
-                  <a14:hiddenLine xmlns="" xmlns:a14="http://schemas.microsoft.com/office/drawing/2010/main" w="9525">
+                  <a14:hiddenLine xmlns:a14="http://schemas.microsoft.com/office/drawing/2010/main" xmlns="" w="9525">
                     <a:solidFill>
                       <a:srgbClr val="000000"/>
                     </a:solidFill>
@@ -11852,7 +11853,7 @@
               </a:ln>
               <a:extLst>
                 <a:ext uri="{91240B29-F687-4f45-9708-019B960494DF}">
-                  <a14:hiddenLine xmlns="" xmlns:a14="http://schemas.microsoft.com/office/drawing/2010/main" w="9525">
+                  <a14:hiddenLine xmlns:a14="http://schemas.microsoft.com/office/drawing/2010/main" xmlns="" w="9525">
                     <a:solidFill>
                       <a:srgbClr val="000000"/>
                     </a:solidFill>
@@ -11886,7 +11887,7 @@
               </a:ln>
               <a:extLst>
                 <a:ext uri="{91240B29-F687-4f45-9708-019B960494DF}">
-                  <a14:hiddenLine xmlns="" xmlns:a14="http://schemas.microsoft.com/office/drawing/2010/main" w="9525">
+                  <a14:hiddenLine xmlns:a14="http://schemas.microsoft.com/office/drawing/2010/main" xmlns="" w="9525">
                     <a:solidFill>
                       <a:srgbClr val="000000"/>
                     </a:solidFill>
@@ -12026,7 +12027,7 @@
           <a:p>
             <a:fld id="{53655034-DEE9-4451-BA09-7D4B727BD803}" type="datetimeFigureOut">
               <a:rPr lang="en-GB" smtClean="0"/>
-              <a:t>21/08/2021</a:t>
+              <a:t>03/09/2021</a:t>
             </a:fld>
             <a:endParaRPr lang="en-GB"/>
           </a:p>
@@ -12914,6 +12915,126 @@
           <p:cNvPr id="2" name="Title 1">
             <a:extLst>
               <a:ext uri="{FF2B5EF4-FFF2-40B4-BE49-F238E27FC236}">
+                <a16:creationId xmlns:a16="http://schemas.microsoft.com/office/drawing/2014/main" id="{0F121054-5F6A-48FA-99F9-9A81DD238F68}"/>
+              </a:ext>
+            </a:extLst>
+          </p:cNvPr>
+          <p:cNvSpPr>
+            <a:spLocks noGrp="1"/>
+          </p:cNvSpPr>
+          <p:nvPr>
+            <p:ph type="title"/>
+          </p:nvPr>
+        </p:nvSpPr>
+        <p:spPr/>
+        <p:txBody>
+          <a:bodyPr/>
+          <a:lstStyle/>
+          <a:p>
+            <a:pPr algn="ctr"/>
+            <a:r>
+              <a:rPr lang="hr-HR" dirty="0"/>
+              <a:t>Testni podaci Zagreb</a:t>
+            </a:r>
+            <a:endParaRPr lang="en-GB" dirty="0"/>
+          </a:p>
+        </p:txBody>
+      </p:sp>
+      <p:pic>
+        <p:nvPicPr>
+          <p:cNvPr id="4" name="Picture 3">
+            <a:extLst>
+              <a:ext uri="{FF2B5EF4-FFF2-40B4-BE49-F238E27FC236}">
+                <a16:creationId xmlns:a16="http://schemas.microsoft.com/office/drawing/2014/main" id="{2ED0DD8D-31E0-491B-A793-684DD15B33FA}"/>
+              </a:ext>
+            </a:extLst>
+          </p:cNvPr>
+          <p:cNvPicPr/>
+          <p:nvPr/>
+        </p:nvPicPr>
+        <p:blipFill>
+          <a:blip r:embed="rId2"/>
+          <a:stretch>
+            <a:fillRect/>
+          </a:stretch>
+        </p:blipFill>
+        <p:spPr>
+          <a:xfrm>
+            <a:off x="2523182" y="2249487"/>
+            <a:ext cx="6842760" cy="1399235"/>
+          </a:xfrm>
+          <a:prstGeom prst="rect">
+            <a:avLst/>
+          </a:prstGeom>
+        </p:spPr>
+      </p:pic>
+      <p:pic>
+        <p:nvPicPr>
+          <p:cNvPr id="5" name="Content Placeholder 4">
+            <a:extLst>
+              <a:ext uri="{FF2B5EF4-FFF2-40B4-BE49-F238E27FC236}">
+                <a16:creationId xmlns:a16="http://schemas.microsoft.com/office/drawing/2014/main" id="{9716BA6C-8419-4B45-BA06-B4624096CF2F}"/>
+              </a:ext>
+            </a:extLst>
+          </p:cNvPr>
+          <p:cNvPicPr>
+            <a:picLocks noGrp="1"/>
+          </p:cNvPicPr>
+          <p:nvPr>
+            <p:ph idx="1"/>
+          </p:nvPr>
+        </p:nvPicPr>
+        <p:blipFill>
+          <a:blip r:embed="rId3"/>
+          <a:stretch>
+            <a:fillRect/>
+          </a:stretch>
+        </p:blipFill>
+        <p:spPr>
+          <a:xfrm>
+            <a:off x="3761389" y="4037174"/>
+            <a:ext cx="3518300" cy="1830966"/>
+          </a:xfrm>
+          <a:prstGeom prst="rect">
+            <a:avLst/>
+          </a:prstGeom>
+        </p:spPr>
+      </p:pic>
+    </p:spTree>
+    <p:extLst>
+      <p:ext uri="{BB962C8B-B14F-4D97-AF65-F5344CB8AC3E}">
+        <p14:creationId xmlns:p14="http://schemas.microsoft.com/office/powerpoint/2010/main" val="1505603292"/>
+      </p:ext>
+    </p:extLst>
+  </p:cSld>
+  <p:clrMapOvr>
+    <a:masterClrMapping/>
+  </p:clrMapOvr>
+</p:sld>
+</file>
+
+<file path=ppt/slides/slide12.xml><?xml version="1.0" encoding="utf-8"?>
+<p:sld xmlns:a="http://schemas.openxmlformats.org/drawingml/2006/main" xmlns:r="http://schemas.openxmlformats.org/officeDocument/2006/relationships" xmlns:p="http://schemas.openxmlformats.org/presentationml/2006/main">
+  <p:cSld>
+    <p:spTree>
+      <p:nvGrpSpPr>
+        <p:cNvPr id="1" name=""/>
+        <p:cNvGrpSpPr/>
+        <p:nvPr/>
+      </p:nvGrpSpPr>
+      <p:grpSpPr>
+        <a:xfrm>
+          <a:off x="0" y="0"/>
+          <a:ext cx="0" cy="0"/>
+          <a:chOff x="0" y="0"/>
+          <a:chExt cx="0" cy="0"/>
+        </a:xfrm>
+      </p:grpSpPr>
+      <p:sp>
+        <p:nvSpPr>
+          <p:cNvPr id="2" name="Title 1">
+            <a:extLst>
+              <a:ext uri="{FF2B5EF4-FFF2-40B4-BE49-F238E27FC236}">
                 <a16:creationId xmlns:a16="http://schemas.microsoft.com/office/drawing/2014/main" id="{5E2658BF-2AAB-4319-AAFF-40A133F56BD5}"/>
               </a:ext>
             </a:extLst>
